--- a/figures/conceptualmodel.pptx
+++ b/figures/conceptualmodel.pptx
@@ -192,7 +192,7 @@
           <a:p>
             <a:fld id="{89308AF9-BE2B-844F-919D-04B9A3A61ABC}" type="datetimeFigureOut">
               <a:rPr lang="en-US" smtClean="0"/>
-              <a:t>4/8/16</a:t>
+              <a:t>4/13/16</a:t>
             </a:fld>
             <a:endParaRPr lang="en-US"/>
           </a:p>
@@ -730,7 +730,7 @@
           <a:p>
             <a:fld id="{68C672E1-1E65-A744-BE25-4BC4FC17C6CA}" type="datetimeFigureOut">
               <a:rPr lang="en-US" smtClean="0"/>
-              <a:t>4/8/16</a:t>
+              <a:t>4/13/16</a:t>
             </a:fld>
             <a:endParaRPr lang="en-US"/>
           </a:p>
@@ -900,7 +900,7 @@
           <a:p>
             <a:fld id="{68C672E1-1E65-A744-BE25-4BC4FC17C6CA}" type="datetimeFigureOut">
               <a:rPr lang="en-US" smtClean="0"/>
-              <a:t>4/8/16</a:t>
+              <a:t>4/13/16</a:t>
             </a:fld>
             <a:endParaRPr lang="en-US"/>
           </a:p>
@@ -1080,7 +1080,7 @@
           <a:p>
             <a:fld id="{68C672E1-1E65-A744-BE25-4BC4FC17C6CA}" type="datetimeFigureOut">
               <a:rPr lang="en-US" smtClean="0"/>
-              <a:t>4/8/16</a:t>
+              <a:t>4/13/16</a:t>
             </a:fld>
             <a:endParaRPr lang="en-US"/>
           </a:p>
@@ -1250,7 +1250,7 @@
           <a:p>
             <a:fld id="{68C672E1-1E65-A744-BE25-4BC4FC17C6CA}" type="datetimeFigureOut">
               <a:rPr lang="en-US" smtClean="0"/>
-              <a:t>4/8/16</a:t>
+              <a:t>4/13/16</a:t>
             </a:fld>
             <a:endParaRPr lang="en-US"/>
           </a:p>
@@ -1496,7 +1496,7 @@
           <a:p>
             <a:fld id="{68C672E1-1E65-A744-BE25-4BC4FC17C6CA}" type="datetimeFigureOut">
               <a:rPr lang="en-US" smtClean="0"/>
-              <a:t>4/8/16</a:t>
+              <a:t>4/13/16</a:t>
             </a:fld>
             <a:endParaRPr lang="en-US"/>
           </a:p>
@@ -1784,7 +1784,7 @@
           <a:p>
             <a:fld id="{68C672E1-1E65-A744-BE25-4BC4FC17C6CA}" type="datetimeFigureOut">
               <a:rPr lang="en-US" smtClean="0"/>
-              <a:t>4/8/16</a:t>
+              <a:t>4/13/16</a:t>
             </a:fld>
             <a:endParaRPr lang="en-US"/>
           </a:p>
@@ -2211,7 +2211,7 @@
           <a:p>
             <a:fld id="{68C672E1-1E65-A744-BE25-4BC4FC17C6CA}" type="datetimeFigureOut">
               <a:rPr lang="en-US" smtClean="0"/>
-              <a:t>4/8/16</a:t>
+              <a:t>4/13/16</a:t>
             </a:fld>
             <a:endParaRPr lang="en-US"/>
           </a:p>
@@ -2329,7 +2329,7 @@
           <a:p>
             <a:fld id="{68C672E1-1E65-A744-BE25-4BC4FC17C6CA}" type="datetimeFigureOut">
               <a:rPr lang="en-US" smtClean="0"/>
-              <a:t>4/8/16</a:t>
+              <a:t>4/13/16</a:t>
             </a:fld>
             <a:endParaRPr lang="en-US"/>
           </a:p>
@@ -2424,7 +2424,7 @@
           <a:p>
             <a:fld id="{68C672E1-1E65-A744-BE25-4BC4FC17C6CA}" type="datetimeFigureOut">
               <a:rPr lang="en-US" smtClean="0"/>
-              <a:t>4/8/16</a:t>
+              <a:t>4/13/16</a:t>
             </a:fld>
             <a:endParaRPr lang="en-US"/>
           </a:p>
@@ -2701,7 +2701,7 @@
           <a:p>
             <a:fld id="{68C672E1-1E65-A744-BE25-4BC4FC17C6CA}" type="datetimeFigureOut">
               <a:rPr lang="en-US" smtClean="0"/>
-              <a:t>4/8/16</a:t>
+              <a:t>4/13/16</a:t>
             </a:fld>
             <a:endParaRPr lang="en-US"/>
           </a:p>
@@ -2954,7 +2954,7 @@
           <a:p>
             <a:fld id="{68C672E1-1E65-A744-BE25-4BC4FC17C6CA}" type="datetimeFigureOut">
               <a:rPr lang="en-US" smtClean="0"/>
-              <a:t>4/8/16</a:t>
+              <a:t>4/13/16</a:t>
             </a:fld>
             <a:endParaRPr lang="en-US"/>
           </a:p>
@@ -3167,7 +3167,7 @@
           <a:p>
             <a:fld id="{68C672E1-1E65-A744-BE25-4BC4FC17C6CA}" type="datetimeFigureOut">
               <a:rPr lang="en-US" smtClean="0"/>
-              <a:t>4/8/16</a:t>
+              <a:t>4/13/16</a:t>
             </a:fld>
             <a:endParaRPr lang="en-US"/>
           </a:p>
@@ -3718,7 +3718,9 @@
           <a:noFill/>
           <a:ln>
             <a:solidFill>
-              <a:schemeClr val="tx1"/>
+              <a:schemeClr val="bg1">
+                <a:lumMod val="65000"/>
+              </a:schemeClr>
             </a:solidFill>
           </a:ln>
           <a:effectLst/>
@@ -3745,7 +3747,7 @@
             <a:r>
               <a:rPr lang="en-US" sz="1200" dirty="0" smtClean="0">
                 <a:solidFill>
-                  <a:schemeClr val="tx1"/>
+                  <a:srgbClr val="7F7F7F"/>
                 </a:solidFill>
               </a:rPr>
               <a:t>SOM1</a:t>
@@ -3756,7 +3758,7 @@
             <a:r>
               <a:rPr lang="en-US" sz="1200" dirty="0" err="1" smtClean="0">
                 <a:solidFill>
-                  <a:schemeClr val="tx1"/>
+                  <a:srgbClr val="7F7F7F"/>
                 </a:solidFill>
               </a:rPr>
               <a:t>τ</a:t>
@@ -3764,7 +3766,7 @@
             <a:r>
               <a:rPr lang="en-US" sz="1200" baseline="-25000" dirty="0" smtClean="0">
                 <a:solidFill>
-                  <a:schemeClr val="tx1"/>
+                  <a:srgbClr val="7F7F7F"/>
                 </a:solidFill>
               </a:rPr>
               <a:t> </a:t>
@@ -3772,7 +3774,7 @@
             <a:r>
               <a:rPr lang="en-US" sz="1200" dirty="0" smtClean="0">
                 <a:solidFill>
-                  <a:schemeClr val="tx1"/>
+                  <a:srgbClr val="7F7F7F"/>
                 </a:solidFill>
               </a:rPr>
               <a:t>= 14 d</a:t>
@@ -3791,168 +3793,6 @@
         <p:spPr>
           <a:xfrm>
             <a:off x="1415323" y="2076014"/>
-            <a:ext cx="822960" cy="548640"/>
-          </a:xfrm>
-          <a:prstGeom prst="roundRect">
-            <a:avLst/>
-          </a:prstGeom>
-          <a:noFill/>
-          <a:ln>
-            <a:solidFill>
-              <a:schemeClr val="tx1"/>
-            </a:solidFill>
-          </a:ln>
-          <a:effectLst/>
-        </p:spPr>
-        <p:style>
-          <a:lnRef idx="1">
-            <a:schemeClr val="accent1"/>
-          </a:lnRef>
-          <a:fillRef idx="3">
-            <a:schemeClr val="accent1"/>
-          </a:fillRef>
-          <a:effectRef idx="2">
-            <a:schemeClr val="accent1"/>
-          </a:effectRef>
-          <a:fontRef idx="minor">
-            <a:schemeClr val="lt1"/>
-          </a:fontRef>
-        </p:style>
-        <p:txBody>
-          <a:bodyPr rtlCol="0" anchor="ctr"/>
-          <a:lstStyle/>
-          <a:p>
-            <a:pPr algn="ctr"/>
-            <a:r>
-              <a:rPr lang="en-US" sz="1200" dirty="0" smtClean="0">
-                <a:solidFill>
-                  <a:schemeClr val="tx1"/>
-                </a:solidFill>
-              </a:rPr>
-              <a:t>SOM2</a:t>
-            </a:r>
-          </a:p>
-          <a:p>
-            <a:pPr algn="ctr"/>
-            <a:r>
-              <a:rPr lang="en-US" sz="1200" dirty="0" err="1" smtClean="0">
-                <a:solidFill>
-                  <a:schemeClr val="tx1"/>
-                </a:solidFill>
-              </a:rPr>
-              <a:t>τ</a:t>
-            </a:r>
-            <a:r>
-              <a:rPr lang="en-US" sz="1200" baseline="-25000" dirty="0" smtClean="0">
-                <a:solidFill>
-                  <a:schemeClr val="tx1"/>
-                </a:solidFill>
-              </a:rPr>
-              <a:t> </a:t>
-            </a:r>
-            <a:r>
-              <a:rPr lang="en-US" sz="1200" dirty="0" smtClean="0">
-                <a:solidFill>
-                  <a:schemeClr val="tx1"/>
-                </a:solidFill>
-              </a:rPr>
-              <a:t>= 71 d</a:t>
-            </a:r>
-          </a:p>
-        </p:txBody>
-      </p:sp>
-      <p:sp>
-        <p:nvSpPr>
-          <p:cNvPr id="78" name="Rounded Rectangle 77"/>
-          <p:cNvSpPr>
-            <a:spLocks noChangeAspect="1"/>
-          </p:cNvSpPr>
-          <p:nvPr/>
-        </p:nvSpPr>
-        <p:spPr>
-          <a:xfrm>
-            <a:off x="2725963" y="2076014"/>
-            <a:ext cx="822960" cy="548640"/>
-          </a:xfrm>
-          <a:prstGeom prst="roundRect">
-            <a:avLst/>
-          </a:prstGeom>
-          <a:noFill/>
-          <a:ln>
-            <a:solidFill>
-              <a:schemeClr val="tx1"/>
-            </a:solidFill>
-          </a:ln>
-          <a:effectLst/>
-        </p:spPr>
-        <p:style>
-          <a:lnRef idx="1">
-            <a:schemeClr val="accent1"/>
-          </a:lnRef>
-          <a:fillRef idx="3">
-            <a:schemeClr val="accent1"/>
-          </a:fillRef>
-          <a:effectRef idx="2">
-            <a:schemeClr val="accent1"/>
-          </a:effectRef>
-          <a:fontRef idx="minor">
-            <a:schemeClr val="lt1"/>
-          </a:fontRef>
-        </p:style>
-        <p:txBody>
-          <a:bodyPr rtlCol="0" anchor="ctr"/>
-          <a:lstStyle/>
-          <a:p>
-            <a:pPr algn="ctr"/>
-            <a:r>
-              <a:rPr lang="en-US" sz="1200" dirty="0" smtClean="0">
-                <a:solidFill>
-                  <a:schemeClr val="tx1"/>
-                </a:solidFill>
-              </a:rPr>
-              <a:t>SOM3</a:t>
-            </a:r>
-          </a:p>
-          <a:p>
-            <a:pPr algn="ctr"/>
-            <a:r>
-              <a:rPr lang="en-US" sz="1200" dirty="0" err="1" smtClean="0">
-                <a:solidFill>
-                  <a:schemeClr val="tx1"/>
-                </a:solidFill>
-              </a:rPr>
-              <a:t>τ</a:t>
-            </a:r>
-            <a:r>
-              <a:rPr lang="en-US" sz="1200" baseline="-25000" dirty="0" smtClean="0">
-                <a:solidFill>
-                  <a:schemeClr val="tx1"/>
-                </a:solidFill>
-              </a:rPr>
-              <a:t> </a:t>
-            </a:r>
-            <a:r>
-              <a:rPr lang="en-US" sz="1200" dirty="0" smtClean="0">
-                <a:solidFill>
-                  <a:schemeClr val="tx1"/>
-                </a:solidFill>
-              </a:rPr>
-              <a:t>= 2 y</a:t>
-            </a:r>
-          </a:p>
-        </p:txBody>
-      </p:sp>
-      <p:sp>
-        <p:nvSpPr>
-          <p:cNvPr id="151" name="Rounded Rectangle 150"/>
-          <p:cNvSpPr>
-            <a:spLocks noChangeAspect="1"/>
-          </p:cNvSpPr>
-          <p:nvPr/>
-        </p:nvSpPr>
-        <p:spPr>
-          <a:xfrm>
-            <a:off x="1430563" y="1197197"/>
             <a:ext cx="822960" cy="548640"/>
           </a:xfrm>
           <a:prstGeom prst="roundRect">
@@ -3990,10 +3830,10 @@
             <a:r>
               <a:rPr lang="en-US" sz="1200" dirty="0" smtClean="0">
                 <a:solidFill>
-                  <a:srgbClr val="A6A6A6"/>
+                  <a:srgbClr val="7F7F7F"/>
                 </a:solidFill>
               </a:rPr>
-              <a:t>Lit2</a:t>
+              <a:t>SOM2</a:t>
             </a:r>
           </a:p>
           <a:p>
@@ -4001,7 +3841,7 @@
             <a:r>
               <a:rPr lang="en-US" sz="1200" dirty="0" err="1" smtClean="0">
                 <a:solidFill>
-                  <a:srgbClr val="A6A6A6"/>
+                  <a:srgbClr val="7F7F7F"/>
                 </a:solidFill>
               </a:rPr>
               <a:t>τ</a:t>
@@ -4009,7 +3849,7 @@
             <a:r>
               <a:rPr lang="en-US" sz="1200" baseline="-25000" dirty="0" smtClean="0">
                 <a:solidFill>
-                  <a:srgbClr val="A6A6A6"/>
+                  <a:srgbClr val="7F7F7F"/>
                 </a:solidFill>
               </a:rPr>
               <a:t> </a:t>
@@ -4017,17 +3857,17 @@
             <a:r>
               <a:rPr lang="en-US" sz="1200" dirty="0" smtClean="0">
                 <a:solidFill>
-                  <a:srgbClr val="A6A6A6"/>
+                  <a:srgbClr val="7F7F7F"/>
                 </a:solidFill>
               </a:rPr>
-              <a:t>= 14 d </a:t>
-            </a:r>
-          </a:p>
-        </p:txBody>
-      </p:sp>
-      <p:sp>
-        <p:nvSpPr>
-          <p:cNvPr id="152" name="Rounded Rectangle 151"/>
+              <a:t>= 71 d</a:t>
+            </a:r>
+          </a:p>
+        </p:txBody>
+      </p:sp>
+      <p:sp>
+        <p:nvSpPr>
+          <p:cNvPr id="78" name="Rounded Rectangle 77"/>
           <p:cNvSpPr>
             <a:spLocks noChangeAspect="1"/>
           </p:cNvSpPr>
@@ -4035,7 +3875,7 @@
         </p:nvSpPr>
         <p:spPr>
           <a:xfrm>
-            <a:off x="2725963" y="1197197"/>
+            <a:off x="2725963" y="2076014"/>
             <a:ext cx="822960" cy="548640"/>
           </a:xfrm>
           <a:prstGeom prst="roundRect">
@@ -4073,10 +3913,10 @@
             <a:r>
               <a:rPr lang="en-US" sz="1200" dirty="0" smtClean="0">
                 <a:solidFill>
-                  <a:srgbClr val="A6A6A6"/>
+                  <a:srgbClr val="7F7F7F"/>
                 </a:solidFill>
               </a:rPr>
-              <a:t>Lit3</a:t>
+              <a:t>SOM3</a:t>
             </a:r>
           </a:p>
           <a:p>
@@ -4084,7 +3924,7 @@
             <a:r>
               <a:rPr lang="en-US" sz="1200" dirty="0" err="1" smtClean="0">
                 <a:solidFill>
-                  <a:srgbClr val="A6A6A6"/>
+                  <a:srgbClr val="7F7F7F"/>
                 </a:solidFill>
               </a:rPr>
               <a:t>τ</a:t>
@@ -4092,7 +3932,7 @@
             <a:r>
               <a:rPr lang="en-US" sz="1200" baseline="-25000" dirty="0" smtClean="0">
                 <a:solidFill>
-                  <a:srgbClr val="A6A6A6"/>
+                  <a:srgbClr val="7F7F7F"/>
                 </a:solidFill>
               </a:rPr>
               <a:t> </a:t>
@@ -4100,25 +3940,17 @@
             <a:r>
               <a:rPr lang="en-US" sz="1200" dirty="0" smtClean="0">
                 <a:solidFill>
-                  <a:srgbClr val="A6A6A6"/>
+                  <a:srgbClr val="7F7F7F"/>
                 </a:solidFill>
               </a:rPr>
-              <a:t>= 71 d</a:t>
-            </a:r>
-            <a:r>
-              <a:rPr lang="en-US" sz="1200" dirty="0" smtClean="0">
-                <a:solidFill>
-                  <a:schemeClr val="tx1"/>
-                </a:solidFill>
-              </a:rPr>
-              <a:t> </a:t>
-            </a:r>
-          </a:p>
-        </p:txBody>
-      </p:sp>
-      <p:sp>
-        <p:nvSpPr>
-          <p:cNvPr id="153" name="Rounded Rectangle 152"/>
+              <a:t>= 2 y</a:t>
+            </a:r>
+          </a:p>
+        </p:txBody>
+      </p:sp>
+      <p:sp>
+        <p:nvSpPr>
+          <p:cNvPr id="151" name="Rounded Rectangle 150"/>
           <p:cNvSpPr>
             <a:spLocks noChangeAspect="1"/>
           </p:cNvSpPr>
@@ -4126,7 +3958,7 @@
         </p:nvSpPr>
         <p:spPr>
           <a:xfrm>
-            <a:off x="4021363" y="2076014"/>
+            <a:off x="1430563" y="1197197"/>
             <a:ext cx="822960" cy="548640"/>
           </a:xfrm>
           <a:prstGeom prst="roundRect">
@@ -4135,7 +3967,9 @@
           <a:noFill/>
           <a:ln>
             <a:solidFill>
-              <a:schemeClr val="tx1"/>
+              <a:schemeClr val="bg1">
+                <a:lumMod val="65000"/>
+              </a:schemeClr>
             </a:solidFill>
           </a:ln>
           <a:effectLst/>
@@ -4162,7 +3996,181 @@
             <a:r>
               <a:rPr lang="en-US" sz="1200" dirty="0" smtClean="0">
                 <a:solidFill>
+                  <a:srgbClr val="A6A6A6"/>
+                </a:solidFill>
+              </a:rPr>
+              <a:t>Lit2</a:t>
+            </a:r>
+          </a:p>
+          <a:p>
+            <a:pPr algn="ctr"/>
+            <a:r>
+              <a:rPr lang="en-US" sz="1200" dirty="0" err="1" smtClean="0">
+                <a:solidFill>
+                  <a:srgbClr val="A6A6A6"/>
+                </a:solidFill>
+              </a:rPr>
+              <a:t>τ</a:t>
+            </a:r>
+            <a:r>
+              <a:rPr lang="en-US" sz="1200" baseline="-25000" dirty="0" smtClean="0">
+                <a:solidFill>
+                  <a:srgbClr val="A6A6A6"/>
+                </a:solidFill>
+              </a:rPr>
+              <a:t> </a:t>
+            </a:r>
+            <a:r>
+              <a:rPr lang="en-US" sz="1200" dirty="0" smtClean="0">
+                <a:solidFill>
+                  <a:srgbClr val="A6A6A6"/>
+                </a:solidFill>
+              </a:rPr>
+              <a:t>= 14 d </a:t>
+            </a:r>
+          </a:p>
+        </p:txBody>
+      </p:sp>
+      <p:sp>
+        <p:nvSpPr>
+          <p:cNvPr id="152" name="Rounded Rectangle 151"/>
+          <p:cNvSpPr>
+            <a:spLocks noChangeAspect="1"/>
+          </p:cNvSpPr>
+          <p:nvPr/>
+        </p:nvSpPr>
+        <p:spPr>
+          <a:xfrm>
+            <a:off x="2725963" y="1197197"/>
+            <a:ext cx="822960" cy="548640"/>
+          </a:xfrm>
+          <a:prstGeom prst="roundRect">
+            <a:avLst/>
+          </a:prstGeom>
+          <a:noFill/>
+          <a:ln>
+            <a:solidFill>
+              <a:schemeClr val="bg1">
+                <a:lumMod val="65000"/>
+              </a:schemeClr>
+            </a:solidFill>
+          </a:ln>
+          <a:effectLst/>
+        </p:spPr>
+        <p:style>
+          <a:lnRef idx="1">
+            <a:schemeClr val="accent1"/>
+          </a:lnRef>
+          <a:fillRef idx="3">
+            <a:schemeClr val="accent1"/>
+          </a:fillRef>
+          <a:effectRef idx="2">
+            <a:schemeClr val="accent1"/>
+          </a:effectRef>
+          <a:fontRef idx="minor">
+            <a:schemeClr val="lt1"/>
+          </a:fontRef>
+        </p:style>
+        <p:txBody>
+          <a:bodyPr rtlCol="0" anchor="ctr"/>
+          <a:lstStyle/>
+          <a:p>
+            <a:pPr algn="ctr"/>
+            <a:r>
+              <a:rPr lang="en-US" sz="1200" dirty="0" smtClean="0">
+                <a:solidFill>
+                  <a:srgbClr val="A6A6A6"/>
+                </a:solidFill>
+              </a:rPr>
+              <a:t>Lit3</a:t>
+            </a:r>
+          </a:p>
+          <a:p>
+            <a:pPr algn="ctr"/>
+            <a:r>
+              <a:rPr lang="en-US" sz="1200" dirty="0" err="1" smtClean="0">
+                <a:solidFill>
+                  <a:srgbClr val="A6A6A6"/>
+                </a:solidFill>
+              </a:rPr>
+              <a:t>τ</a:t>
+            </a:r>
+            <a:r>
+              <a:rPr lang="en-US" sz="1200" baseline="-25000" dirty="0" smtClean="0">
+                <a:solidFill>
+                  <a:srgbClr val="A6A6A6"/>
+                </a:solidFill>
+              </a:rPr>
+              <a:t> </a:t>
+            </a:r>
+            <a:r>
+              <a:rPr lang="en-US" sz="1200" dirty="0" smtClean="0">
+                <a:solidFill>
+                  <a:srgbClr val="A6A6A6"/>
+                </a:solidFill>
+              </a:rPr>
+              <a:t>= 71 d</a:t>
+            </a:r>
+            <a:r>
+              <a:rPr lang="en-US" sz="1200" dirty="0" smtClean="0">
+                <a:solidFill>
                   <a:schemeClr val="tx1"/>
+                </a:solidFill>
+              </a:rPr>
+              <a:t> </a:t>
+            </a:r>
+          </a:p>
+        </p:txBody>
+      </p:sp>
+      <p:sp>
+        <p:nvSpPr>
+          <p:cNvPr id="153" name="Rounded Rectangle 152"/>
+          <p:cNvSpPr>
+            <a:spLocks noChangeAspect="1"/>
+          </p:cNvSpPr>
+          <p:nvPr/>
+        </p:nvSpPr>
+        <p:spPr>
+          <a:xfrm>
+            <a:off x="4021363" y="2076014"/>
+            <a:ext cx="822960" cy="548640"/>
+          </a:xfrm>
+          <a:prstGeom prst="roundRect">
+            <a:avLst/>
+          </a:prstGeom>
+          <a:noFill/>
+          <a:ln>
+            <a:solidFill>
+              <a:schemeClr val="bg1">
+                <a:lumMod val="65000"/>
+              </a:schemeClr>
+            </a:solidFill>
+          </a:ln>
+          <a:effectLst/>
+        </p:spPr>
+        <p:style>
+          <a:lnRef idx="1">
+            <a:schemeClr val="accent1"/>
+          </a:lnRef>
+          <a:fillRef idx="3">
+            <a:schemeClr val="accent1"/>
+          </a:fillRef>
+          <a:effectRef idx="2">
+            <a:schemeClr val="accent1"/>
+          </a:effectRef>
+          <a:fontRef idx="minor">
+            <a:schemeClr val="lt1"/>
+          </a:fontRef>
+        </p:style>
+        <p:txBody>
+          <a:bodyPr rtlCol="0" anchor="ctr"/>
+          <a:lstStyle/>
+          <a:p>
+            <a:pPr algn="ctr"/>
+            <a:r>
+              <a:rPr lang="en-US" sz="1200" dirty="0" smtClean="0">
+                <a:solidFill>
+                  <a:srgbClr val="7F7F7F"/>
                 </a:solidFill>
               </a:rPr>
               <a:t>SOM4</a:t>
@@ -4173,7 +4181,7 @@
             <a:r>
               <a:rPr lang="en-US" sz="1200" dirty="0" err="1" smtClean="0">
                 <a:solidFill>
-                  <a:schemeClr val="tx1"/>
+                  <a:srgbClr val="7F7F7F"/>
                 </a:solidFill>
               </a:rPr>
               <a:t>τ</a:t>
@@ -4181,7 +4189,7 @@
             <a:r>
               <a:rPr lang="en-US" sz="1200" baseline="-25000" dirty="0" smtClean="0">
                 <a:solidFill>
-                  <a:schemeClr val="tx1"/>
+                  <a:srgbClr val="7F7F7F"/>
                 </a:solidFill>
               </a:rPr>
               <a:t> </a:t>
@@ -4189,7 +4197,7 @@
             <a:r>
               <a:rPr lang="en-US" sz="1200" dirty="0" smtClean="0">
                 <a:solidFill>
-                  <a:schemeClr val="tx1"/>
+                  <a:srgbClr val="7F7F7F"/>
                 </a:solidFill>
               </a:rPr>
               <a:t>= 27 y</a:t>
@@ -4754,7 +4762,9 @@
           </a:prstGeom>
           <a:ln>
             <a:solidFill>
-              <a:schemeClr val="tx1"/>
+              <a:schemeClr val="bg1">
+                <a:lumMod val="50000"/>
+              </a:schemeClr>
             </a:solidFill>
             <a:tailEnd type="arrow"/>
           </a:ln>
@@ -4794,7 +4804,9 @@
           </a:prstGeom>
           <a:ln>
             <a:solidFill>
-              <a:schemeClr val="tx1"/>
+              <a:schemeClr val="bg1">
+                <a:lumMod val="50000"/>
+              </a:schemeClr>
             </a:solidFill>
             <a:tailEnd type="arrow"/>
           </a:ln>
@@ -4824,7 +4836,7 @@
         <p:spPr>
           <a:xfrm>
             <a:off x="931146" y="1893134"/>
-            <a:ext cx="484177" cy="276999"/>
+            <a:ext cx="457502" cy="276999"/>
           </a:xfrm>
           <a:prstGeom prst="rect">
             <a:avLst/>
@@ -4838,10 +4850,18 @@
           <a:lstStyle/>
           <a:p>
             <a:r>
-              <a:rPr lang="en-US" sz="1200" dirty="0" smtClean="0"/>
+              <a:rPr lang="en-US" sz="1200" dirty="0" smtClean="0">
+                <a:solidFill>
+                  <a:srgbClr val="7F7F7F"/>
+                </a:solidFill>
+              </a:rPr>
               <a:t>0.28</a:t>
             </a:r>
-            <a:endParaRPr lang="en-US" sz="1200" dirty="0"/>
+            <a:endParaRPr lang="en-US" sz="1200" dirty="0">
+              <a:solidFill>
+                <a:srgbClr val="7F7F7F"/>
+              </a:solidFill>
+            </a:endParaRPr>
           </a:p>
         </p:txBody>
       </p:sp>
@@ -4854,7 +4874,7 @@
         <p:spPr>
           <a:xfrm>
             <a:off x="2253523" y="1859380"/>
-            <a:ext cx="484177" cy="276999"/>
+            <a:ext cx="457502" cy="276999"/>
           </a:xfrm>
           <a:prstGeom prst="rect">
             <a:avLst/>
@@ -4868,10 +4888,18 @@
           <a:lstStyle/>
           <a:p>
             <a:r>
-              <a:rPr lang="en-US" sz="1200" dirty="0" smtClean="0"/>
+              <a:rPr lang="en-US" sz="1200" dirty="0" smtClean="0">
+                <a:solidFill>
+                  <a:srgbClr val="7F7F7F"/>
+                </a:solidFill>
+              </a:rPr>
               <a:t>0.46</a:t>
             </a:r>
-            <a:endParaRPr lang="en-US" sz="1200" dirty="0"/>
+            <a:endParaRPr lang="en-US" sz="1200" dirty="0">
+              <a:solidFill>
+                <a:srgbClr val="7F7F7F"/>
+              </a:solidFill>
+            </a:endParaRPr>
           </a:p>
         </p:txBody>
       </p:sp>
@@ -4894,7 +4922,9 @@
           </a:prstGeom>
           <a:ln>
             <a:solidFill>
-              <a:schemeClr val="tx1"/>
+              <a:schemeClr val="bg1">
+                <a:lumMod val="50000"/>
+              </a:schemeClr>
             </a:solidFill>
             <a:tailEnd type="arrow"/>
           </a:ln>
@@ -4969,7 +4999,9 @@
           </a:prstGeom>
           <a:ln>
             <a:solidFill>
-              <a:schemeClr val="tx1"/>
+              <a:schemeClr val="bg1">
+                <a:lumMod val="50000"/>
+              </a:schemeClr>
             </a:solidFill>
             <a:prstDash val="sysDash"/>
             <a:tailEnd type="arrow"/>
@@ -5007,7 +5039,9 @@
           </a:prstGeom>
           <a:ln>
             <a:solidFill>
-              <a:schemeClr val="tx1"/>
+              <a:schemeClr val="bg1">
+                <a:lumMod val="50000"/>
+              </a:schemeClr>
             </a:solidFill>
             <a:prstDash val="sysDash"/>
             <a:tailEnd type="arrow"/>
@@ -5045,7 +5079,9 @@
           </a:prstGeom>
           <a:ln>
             <a:solidFill>
-              <a:schemeClr val="tx1"/>
+              <a:schemeClr val="bg1">
+                <a:lumMod val="50000"/>
+              </a:schemeClr>
             </a:solidFill>
             <a:prstDash val="sysDash"/>
             <a:tailEnd type="arrow"/>
@@ -5832,7 +5868,9 @@
           <a:prstGeom prst="roundRect">
             <a:avLst/>
           </a:prstGeom>
-          <a:noFill/>
+          <a:solidFill>
+            <a:srgbClr val="CCFFCC"/>
+          </a:solidFill>
           <a:ln>
             <a:solidFill>
               <a:schemeClr val="tx1"/>
